--- a/GA1-220501092-AA5-EV01-EV02/GA1-220501092-AA5-EV01-EV02.pptx
+++ b/GA1-220501092-AA5-EV01-EV02/GA1-220501092-AA5-EV01-EV02.pptx
@@ -5,10 +5,10 @@
     <p:sldMasterId id="2147483648" r:id="rId1"/>
   </p:sldMasterIdLst>
   <p:notesMasterIdLst>
-    <p:notesMasterId r:id="rId10"/>
+    <p:notesMasterId r:id="rId9"/>
   </p:notesMasterIdLst>
   <p:handoutMasterIdLst>
-    <p:handoutMasterId r:id="rId11"/>
+    <p:handoutMasterId r:id="rId10"/>
   </p:handoutMasterIdLst>
   <p:sldIdLst>
     <p:sldId id="538" r:id="rId2"/>
@@ -18,7 +18,6 @@
     <p:sldId id="577" r:id="rId6"/>
     <p:sldId id="600" r:id="rId7"/>
     <p:sldId id="603" r:id="rId8"/>
-    <p:sldId id="531" r:id="rId9"/>
   </p:sldIdLst>
   <p:sldSz cx="12192000" cy="6858000"/>
   <p:notesSz cx="6858000" cy="9144000"/>
@@ -238,7 +237,7 @@
           <a:p>
             <a:fld id="{88369B9F-131C-2846-AB8F-CEE154B4CAEB}" type="datetimeFigureOut">
               <a:rPr lang="es-CO" smtClean="0"/>
-              <a:t>1/09/2025</a:t>
+              <a:t>10/09/2025</a:t>
             </a:fld>
             <a:endParaRPr lang="es-CO"/>
           </a:p>
@@ -415,7 +414,7 @@
           <a:p>
             <a:fld id="{9660CB96-A603-FF42-AE46-F5F75F80A67B}" type="datetimeFigureOut">
               <a:rPr lang="es-CO" smtClean="0"/>
-              <a:t>1/09/2025</a:t>
+              <a:t>10/09/2025</a:t>
             </a:fld>
             <a:endParaRPr lang="es-CO"/>
           </a:p>
@@ -832,7 +831,7 @@
           <a:p>
             <a:fld id="{BD986248-06F7-A441-A47A-264EBD310E11}" type="datetimeFigureOut">
               <a:rPr lang="es-CO" smtClean="0"/>
-              <a:t>1/09/2025</a:t>
+              <a:t>10/09/2025</a:t>
             </a:fld>
             <a:endParaRPr lang="es-CO"/>
           </a:p>
@@ -1032,7 +1031,7 @@
           <a:p>
             <a:fld id="{BD986248-06F7-A441-A47A-264EBD310E11}" type="datetimeFigureOut">
               <a:rPr lang="es-CO" smtClean="0"/>
-              <a:t>1/09/2025</a:t>
+              <a:t>10/09/2025</a:t>
             </a:fld>
             <a:endParaRPr lang="es-CO"/>
           </a:p>
@@ -1242,7 +1241,7 @@
           <a:p>
             <a:fld id="{BD986248-06F7-A441-A47A-264EBD310E11}" type="datetimeFigureOut">
               <a:rPr lang="es-CO" smtClean="0"/>
-              <a:t>1/09/2025</a:t>
+              <a:t>10/09/2025</a:t>
             </a:fld>
             <a:endParaRPr lang="es-CO"/>
           </a:p>
@@ -1403,7 +1402,7 @@
           <a:p>
             <a:fld id="{BD986248-06F7-A441-A47A-264EBD310E11}" type="datetimeFigureOut">
               <a:rPr lang="es-CO" smtClean="0"/>
-              <a:t>1/09/2025</a:t>
+              <a:t>10/09/2025</a:t>
             </a:fld>
             <a:endParaRPr lang="es-CO"/>
           </a:p>
@@ -1603,7 +1602,7 @@
           <a:p>
             <a:fld id="{BD986248-06F7-A441-A47A-264EBD310E11}" type="datetimeFigureOut">
               <a:rPr lang="es-CO" smtClean="0"/>
-              <a:t>1/09/2025</a:t>
+              <a:t>10/09/2025</a:t>
             </a:fld>
             <a:endParaRPr lang="es-CO"/>
           </a:p>
@@ -1879,7 +1878,7 @@
           <a:p>
             <a:fld id="{BD986248-06F7-A441-A47A-264EBD310E11}" type="datetimeFigureOut">
               <a:rPr lang="es-CO" smtClean="0"/>
-              <a:t>1/09/2025</a:t>
+              <a:t>10/09/2025</a:t>
             </a:fld>
             <a:endParaRPr lang="es-CO"/>
           </a:p>
@@ -2147,7 +2146,7 @@
           <a:p>
             <a:fld id="{BD986248-06F7-A441-A47A-264EBD310E11}" type="datetimeFigureOut">
               <a:rPr lang="es-CO" smtClean="0"/>
-              <a:t>1/09/2025</a:t>
+              <a:t>10/09/2025</a:t>
             </a:fld>
             <a:endParaRPr lang="es-CO"/>
           </a:p>
@@ -2562,7 +2561,7 @@
           <a:p>
             <a:fld id="{BD986248-06F7-A441-A47A-264EBD310E11}" type="datetimeFigureOut">
               <a:rPr lang="es-CO" smtClean="0"/>
-              <a:t>1/09/2025</a:t>
+              <a:t>10/09/2025</a:t>
             </a:fld>
             <a:endParaRPr lang="es-CO"/>
           </a:p>
@@ -2704,7 +2703,7 @@
           <a:p>
             <a:fld id="{BD986248-06F7-A441-A47A-264EBD310E11}" type="datetimeFigureOut">
               <a:rPr lang="es-CO" smtClean="0"/>
-              <a:t>1/09/2025</a:t>
+              <a:t>10/09/2025</a:t>
             </a:fld>
             <a:endParaRPr lang="es-CO"/>
           </a:p>
@@ -2817,7 +2816,7 @@
           <a:p>
             <a:fld id="{BD986248-06F7-A441-A47A-264EBD310E11}" type="datetimeFigureOut">
               <a:rPr lang="es-CO" smtClean="0"/>
-              <a:t>1/09/2025</a:t>
+              <a:t>10/09/2025</a:t>
             </a:fld>
             <a:endParaRPr lang="es-CO"/>
           </a:p>
@@ -3146,7 +3145,7 @@
           <a:p>
             <a:fld id="{BD986248-06F7-A441-A47A-264EBD310E11}" type="datetimeFigureOut">
               <a:rPr lang="es-CO" smtClean="0"/>
-              <a:t>1/09/2025</a:t>
+              <a:t>10/09/2025</a:t>
             </a:fld>
             <a:endParaRPr lang="es-CO"/>
           </a:p>
@@ -3435,7 +3434,7 @@
           <a:p>
             <a:fld id="{BD986248-06F7-A441-A47A-264EBD310E11}" type="datetimeFigureOut">
               <a:rPr lang="es-CO" smtClean="0"/>
-              <a:t>1/09/2025</a:t>
+              <a:t>10/09/2025</a:t>
             </a:fld>
             <a:endParaRPr lang="es-CO"/>
           </a:p>
@@ -3678,7 +3677,7 @@
           <a:p>
             <a:fld id="{BD986248-06F7-A441-A47A-264EBD310E11}" type="datetimeFigureOut">
               <a:rPr lang="es-CO" smtClean="0"/>
-              <a:t>1/09/2025</a:t>
+              <a:t>10/09/2025</a:t>
             </a:fld>
             <a:endParaRPr lang="es-CO"/>
           </a:p>
@@ -4207,6 +4206,110 @@
           </a:p>
         </p:txBody>
       </p:sp>
+      <p:sp>
+        <p:nvSpPr>
+          <p:cNvPr id="2" name="Rectangle 1">
+            <a:extLst>
+              <a:ext uri="{FF2B5EF4-FFF2-40B4-BE49-F238E27FC236}">
+                <a16:creationId xmlns:a16="http://schemas.microsoft.com/office/drawing/2014/main" id="{E0E63395-FFD5-8198-AD8A-163572116B0E}"/>
+              </a:ext>
+            </a:extLst>
+          </p:cNvPr>
+          <p:cNvSpPr/>
+          <p:nvPr/>
+        </p:nvSpPr>
+        <p:spPr>
+          <a:xfrm>
+            <a:off x="963671" y="5234609"/>
+            <a:ext cx="4098659" cy="781878"/>
+          </a:xfrm>
+          <a:prstGeom prst="rect">
+            <a:avLst/>
+          </a:prstGeom>
+          <a:solidFill>
+            <a:schemeClr val="bg1"/>
+          </a:solidFill>
+          <a:ln>
+            <a:noFill/>
+          </a:ln>
+        </p:spPr>
+        <p:style>
+          <a:lnRef idx="2">
+            <a:schemeClr val="accent1">
+              <a:shade val="50000"/>
+            </a:schemeClr>
+          </a:lnRef>
+          <a:fillRef idx="1">
+            <a:schemeClr val="accent1"/>
+          </a:fillRef>
+          <a:effectRef idx="0">
+            <a:schemeClr val="accent1"/>
+          </a:effectRef>
+          <a:fontRef idx="minor">
+            <a:schemeClr val="lt1"/>
+          </a:fontRef>
+        </p:style>
+        <p:txBody>
+          <a:bodyPr rtlCol="0" anchor="ctr"/>
+          <a:lstStyle/>
+          <a:p>
+            <a:pPr algn="ctr"/>
+            <a:endParaRPr lang="es-CO"/>
+          </a:p>
+        </p:txBody>
+      </p:sp>
+      <p:sp>
+        <p:nvSpPr>
+          <p:cNvPr id="3" name="Rectangle 2">
+            <a:extLst>
+              <a:ext uri="{FF2B5EF4-FFF2-40B4-BE49-F238E27FC236}">
+                <a16:creationId xmlns:a16="http://schemas.microsoft.com/office/drawing/2014/main" id="{825E834E-7F29-0157-687E-C4E53750D20F}"/>
+              </a:ext>
+            </a:extLst>
+          </p:cNvPr>
+          <p:cNvSpPr/>
+          <p:nvPr/>
+        </p:nvSpPr>
+        <p:spPr>
+          <a:xfrm>
+            <a:off x="9992139" y="927652"/>
+            <a:ext cx="1236190" cy="1243773"/>
+          </a:xfrm>
+          <a:prstGeom prst="rect">
+            <a:avLst/>
+          </a:prstGeom>
+          <a:solidFill>
+            <a:schemeClr val="bg1"/>
+          </a:solidFill>
+          <a:ln>
+            <a:noFill/>
+          </a:ln>
+        </p:spPr>
+        <p:style>
+          <a:lnRef idx="2">
+            <a:schemeClr val="accent1">
+              <a:shade val="50000"/>
+            </a:schemeClr>
+          </a:lnRef>
+          <a:fillRef idx="1">
+            <a:schemeClr val="accent1"/>
+          </a:fillRef>
+          <a:effectRef idx="0">
+            <a:schemeClr val="accent1"/>
+          </a:effectRef>
+          <a:fontRef idx="minor">
+            <a:schemeClr val="lt1"/>
+          </a:fontRef>
+        </p:style>
+        <p:txBody>
+          <a:bodyPr rtlCol="0" anchor="ctr"/>
+          <a:lstStyle/>
+          <a:p>
+            <a:pPr algn="ctr"/>
+            <a:endParaRPr lang="es-CO"/>
+          </a:p>
+        </p:txBody>
+      </p:sp>
     </p:spTree>
     <p:extLst>
       <p:ext uri="{BB962C8B-B14F-4D97-AF65-F5344CB8AC3E}">
@@ -4449,6 +4552,58 @@
           </a:p>
         </p:txBody>
       </p:sp>
+      <p:sp>
+        <p:nvSpPr>
+          <p:cNvPr id="5" name="Rectangle 4">
+            <a:extLst>
+              <a:ext uri="{FF2B5EF4-FFF2-40B4-BE49-F238E27FC236}">
+                <a16:creationId xmlns:a16="http://schemas.microsoft.com/office/drawing/2014/main" id="{21170E4A-EEEA-02C8-B7E8-DEA2D545721E}"/>
+              </a:ext>
+            </a:extLst>
+          </p:cNvPr>
+          <p:cNvSpPr/>
+          <p:nvPr/>
+        </p:nvSpPr>
+        <p:spPr>
+          <a:xfrm>
+            <a:off x="11078817" y="198783"/>
+            <a:ext cx="904886" cy="742122"/>
+          </a:xfrm>
+          <a:prstGeom prst="rect">
+            <a:avLst/>
+          </a:prstGeom>
+          <a:solidFill>
+            <a:schemeClr val="bg1"/>
+          </a:solidFill>
+          <a:ln>
+            <a:noFill/>
+          </a:ln>
+        </p:spPr>
+        <p:style>
+          <a:lnRef idx="2">
+            <a:schemeClr val="accent1">
+              <a:shade val="50000"/>
+            </a:schemeClr>
+          </a:lnRef>
+          <a:fillRef idx="1">
+            <a:schemeClr val="accent1"/>
+          </a:fillRef>
+          <a:effectRef idx="0">
+            <a:schemeClr val="accent1"/>
+          </a:effectRef>
+          <a:fontRef idx="minor">
+            <a:schemeClr val="lt1"/>
+          </a:fontRef>
+        </p:style>
+        <p:txBody>
+          <a:bodyPr rtlCol="0" anchor="ctr"/>
+          <a:lstStyle/>
+          <a:p>
+            <a:pPr algn="ctr"/>
+            <a:endParaRPr lang="es-CO"/>
+          </a:p>
+        </p:txBody>
+      </p:sp>
     </p:spTree>
     <p:extLst>
       <p:ext uri="{BB962C8B-B14F-4D97-AF65-F5344CB8AC3E}">
@@ -4708,6 +4863,58 @@
           </a:p>
         </p:txBody>
       </p:sp>
+      <p:sp>
+        <p:nvSpPr>
+          <p:cNvPr id="4" name="Rectangle 3">
+            <a:extLst>
+              <a:ext uri="{FF2B5EF4-FFF2-40B4-BE49-F238E27FC236}">
+                <a16:creationId xmlns:a16="http://schemas.microsoft.com/office/drawing/2014/main" id="{5D69CD71-D225-9341-3C49-53445D1576DB}"/>
+              </a:ext>
+            </a:extLst>
+          </p:cNvPr>
+          <p:cNvSpPr/>
+          <p:nvPr/>
+        </p:nvSpPr>
+        <p:spPr>
+          <a:xfrm>
+            <a:off x="11078817" y="219354"/>
+            <a:ext cx="860502" cy="827568"/>
+          </a:xfrm>
+          <a:prstGeom prst="rect">
+            <a:avLst/>
+          </a:prstGeom>
+          <a:solidFill>
+            <a:srgbClr val="00AD00"/>
+          </a:solidFill>
+          <a:ln>
+            <a:noFill/>
+          </a:ln>
+        </p:spPr>
+        <p:style>
+          <a:lnRef idx="2">
+            <a:schemeClr val="accent1">
+              <a:shade val="50000"/>
+            </a:schemeClr>
+          </a:lnRef>
+          <a:fillRef idx="1">
+            <a:schemeClr val="accent1"/>
+          </a:fillRef>
+          <a:effectRef idx="0">
+            <a:schemeClr val="accent1"/>
+          </a:effectRef>
+          <a:fontRef idx="minor">
+            <a:schemeClr val="lt1"/>
+          </a:fontRef>
+        </p:style>
+        <p:txBody>
+          <a:bodyPr rtlCol="0" anchor="ctr"/>
+          <a:lstStyle/>
+          <a:p>
+            <a:pPr algn="ctr"/>
+            <a:endParaRPr lang="es-CO"/>
+          </a:p>
+        </p:txBody>
+      </p:sp>
     </p:spTree>
     <p:extLst>
       <p:ext uri="{BB962C8B-B14F-4D97-AF65-F5344CB8AC3E}">
@@ -4993,6 +5200,58 @@
           </a:extLst>
         </p:spPr>
       </p:pic>
+      <p:sp>
+        <p:nvSpPr>
+          <p:cNvPr id="5" name="Rectangle 4">
+            <a:extLst>
+              <a:ext uri="{FF2B5EF4-FFF2-40B4-BE49-F238E27FC236}">
+                <a16:creationId xmlns:a16="http://schemas.microsoft.com/office/drawing/2014/main" id="{65FAA1C6-FD27-D4CF-B48F-62BCC8127DE0}"/>
+              </a:ext>
+            </a:extLst>
+          </p:cNvPr>
+          <p:cNvSpPr/>
+          <p:nvPr/>
+        </p:nvSpPr>
+        <p:spPr>
+          <a:xfrm>
+            <a:off x="11078817" y="219354"/>
+            <a:ext cx="860502" cy="827568"/>
+          </a:xfrm>
+          <a:prstGeom prst="rect">
+            <a:avLst/>
+          </a:prstGeom>
+          <a:solidFill>
+            <a:srgbClr val="00AD00"/>
+          </a:solidFill>
+          <a:ln>
+            <a:noFill/>
+          </a:ln>
+        </p:spPr>
+        <p:style>
+          <a:lnRef idx="2">
+            <a:schemeClr val="accent1">
+              <a:shade val="50000"/>
+            </a:schemeClr>
+          </a:lnRef>
+          <a:fillRef idx="1">
+            <a:schemeClr val="accent1"/>
+          </a:fillRef>
+          <a:effectRef idx="0">
+            <a:schemeClr val="accent1"/>
+          </a:effectRef>
+          <a:fontRef idx="minor">
+            <a:schemeClr val="lt1"/>
+          </a:fontRef>
+        </p:style>
+        <p:txBody>
+          <a:bodyPr rtlCol="0" anchor="ctr"/>
+          <a:lstStyle/>
+          <a:p>
+            <a:pPr algn="ctr"/>
+            <a:endParaRPr lang="es-CO"/>
+          </a:p>
+        </p:txBody>
+      </p:sp>
     </p:spTree>
     <p:extLst>
       <p:ext uri="{BB962C8B-B14F-4D97-AF65-F5344CB8AC3E}">
@@ -5273,6 +5532,58 @@
           </a:p>
         </p:txBody>
       </p:sp>
+      <p:sp>
+        <p:nvSpPr>
+          <p:cNvPr id="4" name="Rectangle 3">
+            <a:extLst>
+              <a:ext uri="{FF2B5EF4-FFF2-40B4-BE49-F238E27FC236}">
+                <a16:creationId xmlns:a16="http://schemas.microsoft.com/office/drawing/2014/main" id="{31EBD2F3-AD7E-FDFF-190E-3A19776D7272}"/>
+              </a:ext>
+            </a:extLst>
+          </p:cNvPr>
+          <p:cNvSpPr/>
+          <p:nvPr/>
+        </p:nvSpPr>
+        <p:spPr>
+          <a:xfrm>
+            <a:off x="11078817" y="219354"/>
+            <a:ext cx="860502" cy="827568"/>
+          </a:xfrm>
+          <a:prstGeom prst="rect">
+            <a:avLst/>
+          </a:prstGeom>
+          <a:solidFill>
+            <a:srgbClr val="00AD00"/>
+          </a:solidFill>
+          <a:ln>
+            <a:noFill/>
+          </a:ln>
+        </p:spPr>
+        <p:style>
+          <a:lnRef idx="2">
+            <a:schemeClr val="accent1">
+              <a:shade val="50000"/>
+            </a:schemeClr>
+          </a:lnRef>
+          <a:fillRef idx="1">
+            <a:schemeClr val="accent1"/>
+          </a:fillRef>
+          <a:effectRef idx="0">
+            <a:schemeClr val="accent1"/>
+          </a:effectRef>
+          <a:fontRef idx="minor">
+            <a:schemeClr val="lt1"/>
+          </a:fontRef>
+        </p:style>
+        <p:txBody>
+          <a:bodyPr rtlCol="0" anchor="ctr"/>
+          <a:lstStyle/>
+          <a:p>
+            <a:pPr algn="ctr"/>
+            <a:endParaRPr lang="es-CO"/>
+          </a:p>
+        </p:txBody>
+      </p:sp>
     </p:spTree>
     <p:extLst>
       <p:ext uri="{BB962C8B-B14F-4D97-AF65-F5344CB8AC3E}">
@@ -5547,6 +5858,58 @@
           </a:p>
         </p:txBody>
       </p:sp>
+      <p:sp>
+        <p:nvSpPr>
+          <p:cNvPr id="2" name="Rectangle 1">
+            <a:extLst>
+              <a:ext uri="{FF2B5EF4-FFF2-40B4-BE49-F238E27FC236}">
+                <a16:creationId xmlns:a16="http://schemas.microsoft.com/office/drawing/2014/main" id="{08AC746B-7F39-2B44-3AF1-3C579AC9FF13}"/>
+              </a:ext>
+            </a:extLst>
+          </p:cNvPr>
+          <p:cNvSpPr/>
+          <p:nvPr/>
+        </p:nvSpPr>
+        <p:spPr>
+          <a:xfrm>
+            <a:off x="11078817" y="219354"/>
+            <a:ext cx="860502" cy="827568"/>
+          </a:xfrm>
+          <a:prstGeom prst="rect">
+            <a:avLst/>
+          </a:prstGeom>
+          <a:solidFill>
+            <a:srgbClr val="00AD00"/>
+          </a:solidFill>
+          <a:ln>
+            <a:noFill/>
+          </a:ln>
+        </p:spPr>
+        <p:style>
+          <a:lnRef idx="2">
+            <a:schemeClr val="accent1">
+              <a:shade val="50000"/>
+            </a:schemeClr>
+          </a:lnRef>
+          <a:fillRef idx="1">
+            <a:schemeClr val="accent1"/>
+          </a:fillRef>
+          <a:effectRef idx="0">
+            <a:schemeClr val="accent1"/>
+          </a:effectRef>
+          <a:fontRef idx="minor">
+            <a:schemeClr val="lt1"/>
+          </a:fontRef>
+        </p:style>
+        <p:txBody>
+          <a:bodyPr rtlCol="0" anchor="ctr"/>
+          <a:lstStyle/>
+          <a:p>
+            <a:pPr algn="ctr"/>
+            <a:endParaRPr lang="es-CO"/>
+          </a:p>
+        </p:txBody>
+      </p:sp>
     </p:spTree>
     <p:extLst>
       <p:ext uri="{BB962C8B-B14F-4D97-AF65-F5344CB8AC3E}">
@@ -5805,54 +6168,62 @@
           </a:p>
         </p:txBody>
       </p:sp>
+      <p:sp>
+        <p:nvSpPr>
+          <p:cNvPr id="3" name="Rectangle 2">
+            <a:extLst>
+              <a:ext uri="{FF2B5EF4-FFF2-40B4-BE49-F238E27FC236}">
+                <a16:creationId xmlns:a16="http://schemas.microsoft.com/office/drawing/2014/main" id="{DA4A8222-F517-7158-B463-0CDE1AA1F3FB}"/>
+              </a:ext>
+            </a:extLst>
+          </p:cNvPr>
+          <p:cNvSpPr/>
+          <p:nvPr/>
+        </p:nvSpPr>
+        <p:spPr>
+          <a:xfrm>
+            <a:off x="11078817" y="219354"/>
+            <a:ext cx="860502" cy="827568"/>
+          </a:xfrm>
+          <a:prstGeom prst="rect">
+            <a:avLst/>
+          </a:prstGeom>
+          <a:solidFill>
+            <a:srgbClr val="00AD00"/>
+          </a:solidFill>
+          <a:ln>
+            <a:noFill/>
+          </a:ln>
+        </p:spPr>
+        <p:style>
+          <a:lnRef idx="2">
+            <a:schemeClr val="accent1">
+              <a:shade val="50000"/>
+            </a:schemeClr>
+          </a:lnRef>
+          <a:fillRef idx="1">
+            <a:schemeClr val="accent1"/>
+          </a:fillRef>
+          <a:effectRef idx="0">
+            <a:schemeClr val="accent1"/>
+          </a:effectRef>
+          <a:fontRef idx="minor">
+            <a:schemeClr val="lt1"/>
+          </a:fontRef>
+        </p:style>
+        <p:txBody>
+          <a:bodyPr rtlCol="0" anchor="ctr"/>
+          <a:lstStyle/>
+          <a:p>
+            <a:pPr algn="ctr"/>
+            <a:endParaRPr lang="es-CO"/>
+          </a:p>
+        </p:txBody>
+      </p:sp>
     </p:spTree>
     <p:extLst>
       <p:ext uri="{BB962C8B-B14F-4D97-AF65-F5344CB8AC3E}">
         <p14:creationId xmlns:p14="http://schemas.microsoft.com/office/powerpoint/2010/main" val="3484456372"/>
-      </p:ext>
-    </p:extLst>
-  </p:cSld>
-  <p:clrMapOvr>
-    <a:masterClrMapping/>
-  </p:clrMapOvr>
-</p:sld>
-</file>
-
-<file path=ppt/slides/slide8.xml><?xml version="1.0" encoding="utf-8"?>
-<p:sld xmlns:a="http://schemas.openxmlformats.org/drawingml/2006/main" xmlns:r="http://schemas.openxmlformats.org/officeDocument/2006/relationships" xmlns:p="http://schemas.openxmlformats.org/presentationml/2006/main">
-  <p:cSld>
-    <p:bg>
-      <p:bgPr>
-        <a:blipFill dpi="0" rotWithShape="1">
-          <a:blip r:embed="rId2">
-            <a:lum/>
-          </a:blip>
-          <a:srcRect/>
-          <a:stretch>
-            <a:fillRect/>
-          </a:stretch>
-        </a:blipFill>
-        <a:effectLst/>
-      </p:bgPr>
-    </p:bg>
-    <p:spTree>
-      <p:nvGrpSpPr>
-        <p:cNvPr id="1" name=""/>
-        <p:cNvGrpSpPr/>
-        <p:nvPr/>
-      </p:nvGrpSpPr>
-      <p:grpSpPr>
-        <a:xfrm>
-          <a:off x="0" y="0"/>
-          <a:ext cx="0" cy="0"/>
-          <a:chOff x="0" y="0"/>
-          <a:chExt cx="0" cy="0"/>
-        </a:xfrm>
-      </p:grpSpPr>
-    </p:spTree>
-    <p:extLst>
-      <p:ext uri="{BB962C8B-B14F-4D97-AF65-F5344CB8AC3E}">
-        <p14:creationId xmlns:p14="http://schemas.microsoft.com/office/powerpoint/2010/main" val="2604626685"/>
       </p:ext>
     </p:extLst>
   </p:cSld>
